--- a/Ajax.pptx
+++ b/Ajax.pptx
@@ -6,6 +6,8 @@
   </p:sldMasterIdLst>
   <p:sldIdLst>
     <p:sldId id="256" r:id="rId2"/>
+    <p:sldId id="257" r:id="rId3"/>
+    <p:sldId id="258" r:id="rId4"/>
   </p:sldIdLst>
   <p:sldSz cx="12192000" cy="6858000"/>
   <p:notesSz cx="6858000" cy="9144000"/>
@@ -105,6 +107,137 @@
     </a:lvl9pPr>
   </p:defaultTextStyle>
 </p:presentation>
+</file>
+
+<file path=ppt/revisionInfo.xml><?xml version="1.0" encoding="utf-8"?>
+<p1510:revInfo xmlns:a="http://schemas.openxmlformats.org/drawingml/2006/main" xmlns:r="http://schemas.openxmlformats.org/officeDocument/2006/relationships" xmlns:p1510="http://schemas.microsoft.com/office/powerpoint/2015/10/main">
+  <p1510:revLst>
+    <p1510:client id="{9DA99AB7-5B20-4DDC-8D30-262BD1D2353B}" v="32" dt="2024-03-14T16:20:03.139"/>
+  </p1510:revLst>
+</p1510:revInfo>
+</file>
+
+<file path=ppt/changesInfos/changesInfo1.xml><?xml version="1.0" encoding="utf-8"?>
+<pc:chgInfo xmlns:a="http://schemas.openxmlformats.org/drawingml/2006/main" xmlns:r="http://schemas.openxmlformats.org/officeDocument/2006/relationships" xmlns:ac="http://schemas.microsoft.com/office/drawing/2013/main/command" xmlns:pc="http://schemas.microsoft.com/office/powerpoint/2013/main/command">
+  <pc:docChgLst>
+    <pc:chgData name="健豪 卢" userId="2969cfe648ce6ab2" providerId="LiveId" clId="{9DA99AB7-5B20-4DDC-8D30-262BD1D2353B}"/>
+    <pc:docChg chg="undo custSel addSld modSld">
+      <pc:chgData name="健豪 卢" userId="2969cfe648ce6ab2" providerId="LiveId" clId="{9DA99AB7-5B20-4DDC-8D30-262BD1D2353B}" dt="2024-03-14T16:20:13.433" v="76" actId="20577"/>
+      <pc:docMkLst>
+        <pc:docMk/>
+      </pc:docMkLst>
+      <pc:sldChg chg="addSp delSp modSp mod">
+        <pc:chgData name="健豪 卢" userId="2969cfe648ce6ab2" providerId="LiveId" clId="{9DA99AB7-5B20-4DDC-8D30-262BD1D2353B}" dt="2024-03-14T16:05:06.660" v="37" actId="1076"/>
+        <pc:sldMkLst>
+          <pc:docMk/>
+          <pc:sldMk cId="525856701" sldId="256"/>
+        </pc:sldMkLst>
+        <pc:spChg chg="mod">
+          <ac:chgData name="健豪 卢" userId="2969cfe648ce6ab2" providerId="LiveId" clId="{9DA99AB7-5B20-4DDC-8D30-262BD1D2353B}" dt="2024-03-14T16:05:06.660" v="37" actId="1076"/>
+          <ac:spMkLst>
+            <pc:docMk/>
+            <pc:sldMk cId="525856701" sldId="256"/>
+            <ac:spMk id="2" creationId="{5F5BFABB-D4EC-C5A0-AAF9-A25D5971F382}"/>
+          </ac:spMkLst>
+        </pc:spChg>
+        <pc:spChg chg="mod">
+          <ac:chgData name="健豪 卢" userId="2969cfe648ce6ab2" providerId="LiveId" clId="{9DA99AB7-5B20-4DDC-8D30-262BD1D2353B}" dt="2024-03-14T16:03:32.012" v="32" actId="20577"/>
+          <ac:spMkLst>
+            <pc:docMk/>
+            <pc:sldMk cId="525856701" sldId="256"/>
+            <ac:spMk id="3" creationId="{23D8443E-632C-FC4B-AAC0-1DAC0E76E2D2}"/>
+          </ac:spMkLst>
+        </pc:spChg>
+        <pc:picChg chg="del">
+          <ac:chgData name="健豪 卢" userId="2969cfe648ce6ab2" providerId="LiveId" clId="{9DA99AB7-5B20-4DDC-8D30-262BD1D2353B}" dt="2024-03-14T15:57:58.272" v="22" actId="478"/>
+          <ac:picMkLst>
+            <pc:docMk/>
+            <pc:sldMk cId="525856701" sldId="256"/>
+            <ac:picMk id="1026" creationId="{480EFC74-9DB3-E0C9-F89F-76B7C7CD35C9}"/>
+          </ac:picMkLst>
+        </pc:picChg>
+        <pc:picChg chg="add mod">
+          <ac:chgData name="健豪 卢" userId="2969cfe648ce6ab2" providerId="LiveId" clId="{9DA99AB7-5B20-4DDC-8D30-262BD1D2353B}" dt="2024-03-14T16:03:34.435" v="33" actId="1076"/>
+          <ac:picMkLst>
+            <pc:docMk/>
+            <pc:sldMk cId="525856701" sldId="256"/>
+            <ac:picMk id="1028" creationId="{D48AAD75-23CB-1D1D-2AA5-601ED5C551E9}"/>
+          </ac:picMkLst>
+        </pc:picChg>
+      </pc:sldChg>
+      <pc:sldChg chg="modSp add mod">
+        <pc:chgData name="健豪 卢" userId="2969cfe648ce6ab2" providerId="LiveId" clId="{9DA99AB7-5B20-4DDC-8D30-262BD1D2353B}" dt="2024-03-14T16:06:10.869" v="41"/>
+        <pc:sldMkLst>
+          <pc:docMk/>
+          <pc:sldMk cId="1802776072" sldId="257"/>
+        </pc:sldMkLst>
+        <pc:spChg chg="mod">
+          <ac:chgData name="健豪 卢" userId="2969cfe648ce6ab2" providerId="LiveId" clId="{9DA99AB7-5B20-4DDC-8D30-262BD1D2353B}" dt="2024-03-14T16:05:01.797" v="36" actId="1076"/>
+          <ac:spMkLst>
+            <pc:docMk/>
+            <pc:sldMk cId="1802776072" sldId="257"/>
+            <ac:spMk id="2" creationId="{5F5BFABB-D4EC-C5A0-AAF9-A25D5971F382}"/>
+          </ac:spMkLst>
+        </pc:spChg>
+        <pc:spChg chg="mod">
+          <ac:chgData name="健豪 卢" userId="2969cfe648ce6ab2" providerId="LiveId" clId="{9DA99AB7-5B20-4DDC-8D30-262BD1D2353B}" dt="2024-03-14T16:06:10.869" v="41"/>
+          <ac:spMkLst>
+            <pc:docMk/>
+            <pc:sldMk cId="1802776072" sldId="257"/>
+            <ac:spMk id="3" creationId="{23D8443E-632C-FC4B-AAC0-1DAC0E76E2D2}"/>
+          </ac:spMkLst>
+        </pc:spChg>
+        <pc:picChg chg="mod">
+          <ac:chgData name="健豪 卢" userId="2969cfe648ce6ab2" providerId="LiveId" clId="{9DA99AB7-5B20-4DDC-8D30-262BD1D2353B}" dt="2024-03-14T15:57:55.383" v="21" actId="1076"/>
+          <ac:picMkLst>
+            <pc:docMk/>
+            <pc:sldMk cId="1802776072" sldId="257"/>
+            <ac:picMk id="1026" creationId="{480EFC74-9DB3-E0C9-F89F-76B7C7CD35C9}"/>
+          </ac:picMkLst>
+        </pc:picChg>
+      </pc:sldChg>
+      <pc:sldChg chg="addSp delSp modSp add mod">
+        <pc:chgData name="健豪 卢" userId="2969cfe648ce6ab2" providerId="LiveId" clId="{9DA99AB7-5B20-4DDC-8D30-262BD1D2353B}" dt="2024-03-14T16:20:13.433" v="76" actId="20577"/>
+        <pc:sldMkLst>
+          <pc:docMk/>
+          <pc:sldMk cId="2973214143" sldId="258"/>
+        </pc:sldMkLst>
+        <pc:spChg chg="mod">
+          <ac:chgData name="健豪 卢" userId="2969cfe648ce6ab2" providerId="LiveId" clId="{9DA99AB7-5B20-4DDC-8D30-262BD1D2353B}" dt="2024-03-14T16:20:13.433" v="76" actId="20577"/>
+          <ac:spMkLst>
+            <pc:docMk/>
+            <pc:sldMk cId="2973214143" sldId="258"/>
+            <ac:spMk id="2" creationId="{5F5BFABB-D4EC-C5A0-AAF9-A25D5971F382}"/>
+          </ac:spMkLst>
+        </pc:spChg>
+        <pc:spChg chg="add del mod">
+          <ac:chgData name="健豪 卢" userId="2969cfe648ce6ab2" providerId="LiveId" clId="{9DA99AB7-5B20-4DDC-8D30-262BD1D2353B}" dt="2024-03-14T16:19:59.508" v="60" actId="478"/>
+          <ac:spMkLst>
+            <pc:docMk/>
+            <pc:sldMk cId="2973214143" sldId="258"/>
+            <ac:spMk id="3" creationId="{23D8443E-632C-FC4B-AAC0-1DAC0E76E2D2}"/>
+          </ac:spMkLst>
+        </pc:spChg>
+        <pc:picChg chg="del">
+          <ac:chgData name="健豪 卢" userId="2969cfe648ce6ab2" providerId="LiveId" clId="{9DA99AB7-5B20-4DDC-8D30-262BD1D2353B}" dt="2024-03-14T16:19:21.756" v="44" actId="478"/>
+          <ac:picMkLst>
+            <pc:docMk/>
+            <pc:sldMk cId="2973214143" sldId="258"/>
+            <ac:picMk id="1026" creationId="{480EFC74-9DB3-E0C9-F89F-76B7C7CD35C9}"/>
+          </ac:picMkLst>
+        </pc:picChg>
+        <pc:picChg chg="add del mod">
+          <ac:chgData name="健豪 卢" userId="2969cfe648ce6ab2" providerId="LiveId" clId="{9DA99AB7-5B20-4DDC-8D30-262BD1D2353B}" dt="2024-03-14T16:20:03.139" v="61" actId="1076"/>
+          <ac:picMkLst>
+            <pc:docMk/>
+            <pc:sldMk cId="2973214143" sldId="258"/>
+            <ac:picMk id="2050" creationId="{C8685D0D-7581-A52B-F9CA-8BF4D037CF22}"/>
+          </ac:picMkLst>
+        </pc:picChg>
+      </pc:sldChg>
+    </pc:docChg>
+  </pc:docChgLst>
+</pc:chgInfo>
 </file>
 
 <file path=ppt/slideLayouts/slideLayout1.xml><?xml version="1.0" encoding="utf-8"?>
@@ -3339,7 +3472,7 @@
         </p:nvSpPr>
         <p:spPr>
           <a:xfrm>
-            <a:off x="1738604" y="123987"/>
+            <a:off x="401216" y="170640"/>
             <a:ext cx="9144000" cy="921041"/>
           </a:xfrm>
         </p:spPr>
@@ -3446,15 +3579,371 @@
             </a:r>
             <a:r>
               <a:rPr lang="zh-CN" altLang="en-US" dirty="0"/>
-              <a:t>最大的优点是在不重新加载整个页面的情况下，可以与服务器交换数据并更新部分网页内容。</a:t>
-            </a:r>
-          </a:p>
-        </p:txBody>
-      </p:sp>
+              <a:t>的优点是在不重新加载整个页面的情况下，可以与服务器交换数据并更新部分网页内容。使用异步的方式与服务器通信，不需要中断操作。</a:t>
+            </a:r>
+            <a:endParaRPr lang="en-US" altLang="zh-CN" dirty="0"/>
+          </a:p>
+        </p:txBody>
+      </p:sp>
+      <p:pic>
+        <p:nvPicPr>
+          <p:cNvPr id="1028" name="Picture 4">
+            <a:extLst>
+              <a:ext uri="{FF2B5EF4-FFF2-40B4-BE49-F238E27FC236}">
+                <a16:creationId xmlns:a16="http://schemas.microsoft.com/office/drawing/2014/main" id="{D48AAD75-23CB-1D1D-2AA5-601ED5C551E9}"/>
+              </a:ext>
+            </a:extLst>
+          </p:cNvPr>
+          <p:cNvPicPr>
+            <a:picLocks noChangeAspect="1" noChangeArrowheads="1"/>
+          </p:cNvPicPr>
+          <p:nvPr/>
+        </p:nvPicPr>
+        <p:blipFill>
+          <a:blip r:embed="rId2">
+            <a:extLst>
+              <a:ext uri="{28A0092B-C50C-407E-A947-70E740481C1C}">
+                <a14:useLocalDpi xmlns:a14="http://schemas.microsoft.com/office/drawing/2010/main" val="0"/>
+              </a:ext>
+            </a:extLst>
+          </a:blip>
+          <a:srcRect/>
+          <a:stretch>
+            <a:fillRect/>
+          </a:stretch>
+        </p:blipFill>
+        <p:spPr bwMode="auto">
+          <a:xfrm>
+            <a:off x="717285" y="2905901"/>
+            <a:ext cx="10440189" cy="2526069"/>
+          </a:xfrm>
+          <a:prstGeom prst="rect">
+            <a:avLst/>
+          </a:prstGeom>
+          <a:noFill/>
+          <a:extLst>
+            <a:ext uri="{909E8E84-426E-40DD-AFC4-6F175D3DCCD1}">
+              <a14:hiddenFill xmlns:a14="http://schemas.microsoft.com/office/drawing/2010/main">
+                <a:solidFill>
+                  <a:srgbClr val="FFFFFF"/>
+                </a:solidFill>
+              </a14:hiddenFill>
+            </a:ext>
+          </a:extLst>
+        </p:spPr>
+      </p:pic>
     </p:spTree>
     <p:extLst>
       <p:ext uri="{BB962C8B-B14F-4D97-AF65-F5344CB8AC3E}">
         <p14:creationId xmlns:p14="http://schemas.microsoft.com/office/powerpoint/2010/main" val="525856701"/>
+      </p:ext>
+    </p:extLst>
+  </p:cSld>
+  <p:clrMapOvr>
+    <a:masterClrMapping/>
+  </p:clrMapOvr>
+</p:sld>
+</file>
+
+<file path=ppt/slides/slide2.xml><?xml version="1.0" encoding="utf-8"?>
+<p:sld xmlns:a="http://schemas.openxmlformats.org/drawingml/2006/main" xmlns:r="http://schemas.openxmlformats.org/officeDocument/2006/relationships" xmlns:p="http://schemas.openxmlformats.org/presentationml/2006/main">
+  <p:cSld>
+    <p:spTree>
+      <p:nvGrpSpPr>
+        <p:cNvPr id="1" name=""/>
+        <p:cNvGrpSpPr/>
+        <p:nvPr/>
+      </p:nvGrpSpPr>
+      <p:grpSpPr>
+        <a:xfrm>
+          <a:off x="0" y="0"/>
+          <a:ext cx="0" cy="0"/>
+          <a:chOff x="0" y="0"/>
+          <a:chExt cx="0" cy="0"/>
+        </a:xfrm>
+      </p:grpSpPr>
+      <p:sp>
+        <p:nvSpPr>
+          <p:cNvPr id="2" name="标题 1">
+            <a:extLst>
+              <a:ext uri="{FF2B5EF4-FFF2-40B4-BE49-F238E27FC236}">
+                <a16:creationId xmlns:a16="http://schemas.microsoft.com/office/drawing/2014/main" id="{5F5BFABB-D4EC-C5A0-AAF9-A25D5971F382}"/>
+              </a:ext>
+            </a:extLst>
+          </p:cNvPr>
+          <p:cNvSpPr>
+            <a:spLocks noGrp="1"/>
+          </p:cNvSpPr>
+          <p:nvPr>
+            <p:ph type="ctrTitle"/>
+          </p:nvPr>
+        </p:nvSpPr>
+        <p:spPr>
+          <a:xfrm>
+            <a:off x="401216" y="136639"/>
+            <a:ext cx="9144000" cy="921041"/>
+          </a:xfrm>
+        </p:spPr>
+        <p:txBody>
+          <a:bodyPr>
+            <a:normAutofit/>
+          </a:bodyPr>
+          <a:lstStyle/>
+          <a:p>
+            <a:pPr algn="l"/>
+            <a:r>
+              <a:rPr lang="en-US" altLang="zh-CN" dirty="0"/>
+              <a:t>Ajax</a:t>
+            </a:r>
+            <a:r>
+              <a:rPr lang="zh-CN" altLang="en-US" dirty="0"/>
+              <a:t>的工作原理</a:t>
+            </a:r>
+          </a:p>
+        </p:txBody>
+      </p:sp>
+      <p:sp>
+        <p:nvSpPr>
+          <p:cNvPr id="3" name="副标题 2">
+            <a:extLst>
+              <a:ext uri="{FF2B5EF4-FFF2-40B4-BE49-F238E27FC236}">
+                <a16:creationId xmlns:a16="http://schemas.microsoft.com/office/drawing/2014/main" id="{23D8443E-632C-FC4B-AAC0-1DAC0E76E2D2}"/>
+              </a:ext>
+            </a:extLst>
+          </p:cNvPr>
+          <p:cNvSpPr>
+            <a:spLocks noGrp="1"/>
+          </p:cNvSpPr>
+          <p:nvPr>
+            <p:ph type="subTitle" idx="1"/>
+          </p:nvPr>
+        </p:nvSpPr>
+        <p:spPr>
+          <a:xfrm>
+            <a:off x="401216" y="1203649"/>
+            <a:ext cx="11028784" cy="5187820"/>
+          </a:xfrm>
+        </p:spPr>
+        <p:txBody>
+          <a:bodyPr/>
+          <a:lstStyle/>
+          <a:p>
+            <a:pPr algn="l"/>
+            <a:r>
+              <a:rPr lang="en-US" altLang="zh-CN" dirty="0"/>
+              <a:t>Ajax</a:t>
+            </a:r>
+            <a:r>
+              <a:rPr lang="zh-CN" altLang="en-US" dirty="0"/>
+              <a:t>的工作原理相当于在用户和服务器之间加了一个中间层</a:t>
+            </a:r>
+            <a:r>
+              <a:rPr lang="en-US" altLang="zh-CN" dirty="0"/>
+              <a:t>(Ajax</a:t>
+            </a:r>
+            <a:r>
+              <a:rPr lang="zh-CN" altLang="en-US" dirty="0"/>
+              <a:t>引擎</a:t>
+            </a:r>
+            <a:r>
+              <a:rPr lang="en-US" altLang="zh-CN" dirty="0"/>
+              <a:t>)</a:t>
+            </a:r>
+            <a:r>
+              <a:rPr lang="zh-CN" altLang="en-US" dirty="0"/>
+              <a:t>，使用户操作与服务器响应异步化。并不是所有用户请求都提交服务器。像一些数据验证和数据处理等都交给</a:t>
+            </a:r>
+            <a:r>
+              <a:rPr lang="en-US" altLang="zh-CN" dirty="0"/>
+              <a:t>Ajax</a:t>
+            </a:r>
+            <a:r>
+              <a:rPr lang="zh-CN" altLang="en-US" dirty="0"/>
+              <a:t>引擎自己来做，只有确定需要从服务器读取新数据时再由</a:t>
+            </a:r>
+            <a:r>
+              <a:rPr lang="en-US" altLang="zh-CN" dirty="0"/>
+              <a:t>Ajax</a:t>
+            </a:r>
+            <a:r>
+              <a:rPr lang="zh-CN" altLang="en-US" dirty="0"/>
+              <a:t>引擎代为向服务器提交请求。</a:t>
+            </a:r>
+          </a:p>
+          <a:p>
+            <a:pPr algn="l"/>
+            <a:endParaRPr lang="zh-CN" altLang="en-US" dirty="0"/>
+          </a:p>
+        </p:txBody>
+      </p:sp>
+      <p:pic>
+        <p:nvPicPr>
+          <p:cNvPr id="1026" name="Picture 2">
+            <a:extLst>
+              <a:ext uri="{FF2B5EF4-FFF2-40B4-BE49-F238E27FC236}">
+                <a16:creationId xmlns:a16="http://schemas.microsoft.com/office/drawing/2014/main" id="{480EFC74-9DB3-E0C9-F89F-76B7C7CD35C9}"/>
+              </a:ext>
+            </a:extLst>
+          </p:cNvPr>
+          <p:cNvPicPr>
+            <a:picLocks noChangeAspect="1" noChangeArrowheads="1"/>
+          </p:cNvPicPr>
+          <p:nvPr/>
+        </p:nvPicPr>
+        <p:blipFill>
+          <a:blip r:embed="rId2">
+            <a:extLst>
+              <a:ext uri="{28A0092B-C50C-407E-A947-70E740481C1C}">
+                <a14:useLocalDpi xmlns:a14="http://schemas.microsoft.com/office/drawing/2010/main" val="0"/>
+              </a:ext>
+            </a:extLst>
+          </a:blip>
+          <a:srcRect/>
+          <a:stretch>
+            <a:fillRect/>
+          </a:stretch>
+        </p:blipFill>
+        <p:spPr bwMode="auto">
+          <a:xfrm>
+            <a:off x="485191" y="2582603"/>
+            <a:ext cx="8951855" cy="3678237"/>
+          </a:xfrm>
+          <a:prstGeom prst="rect">
+            <a:avLst/>
+          </a:prstGeom>
+          <a:noFill/>
+          <a:extLst>
+            <a:ext uri="{909E8E84-426E-40DD-AFC4-6F175D3DCCD1}">
+              <a14:hiddenFill xmlns:a14="http://schemas.microsoft.com/office/drawing/2010/main">
+                <a:solidFill>
+                  <a:srgbClr val="FFFFFF"/>
+                </a:solidFill>
+              </a14:hiddenFill>
+            </a:ext>
+          </a:extLst>
+        </p:spPr>
+      </p:pic>
+    </p:spTree>
+    <p:extLst>
+      <p:ext uri="{BB962C8B-B14F-4D97-AF65-F5344CB8AC3E}">
+        <p14:creationId xmlns:p14="http://schemas.microsoft.com/office/powerpoint/2010/main" val="1802776072"/>
+      </p:ext>
+    </p:extLst>
+  </p:cSld>
+  <p:clrMapOvr>
+    <a:masterClrMapping/>
+  </p:clrMapOvr>
+</p:sld>
+</file>
+
+<file path=ppt/slides/slide3.xml><?xml version="1.0" encoding="utf-8"?>
+<p:sld xmlns:a="http://schemas.openxmlformats.org/drawingml/2006/main" xmlns:r="http://schemas.openxmlformats.org/officeDocument/2006/relationships" xmlns:p="http://schemas.openxmlformats.org/presentationml/2006/main">
+  <p:cSld>
+    <p:spTree>
+      <p:nvGrpSpPr>
+        <p:cNvPr id="1" name=""/>
+        <p:cNvGrpSpPr/>
+        <p:nvPr/>
+      </p:nvGrpSpPr>
+      <p:grpSpPr>
+        <a:xfrm>
+          <a:off x="0" y="0"/>
+          <a:ext cx="0" cy="0"/>
+          <a:chOff x="0" y="0"/>
+          <a:chExt cx="0" cy="0"/>
+        </a:xfrm>
+      </p:grpSpPr>
+      <p:sp>
+        <p:nvSpPr>
+          <p:cNvPr id="2" name="标题 1">
+            <a:extLst>
+              <a:ext uri="{FF2B5EF4-FFF2-40B4-BE49-F238E27FC236}">
+                <a16:creationId xmlns:a16="http://schemas.microsoft.com/office/drawing/2014/main" id="{5F5BFABB-D4EC-C5A0-AAF9-A25D5971F382}"/>
+              </a:ext>
+            </a:extLst>
+          </p:cNvPr>
+          <p:cNvSpPr>
+            <a:spLocks noGrp="1"/>
+          </p:cNvSpPr>
+          <p:nvPr>
+            <p:ph type="ctrTitle"/>
+          </p:nvPr>
+        </p:nvSpPr>
+        <p:spPr>
+          <a:xfrm>
+            <a:off x="401216" y="136639"/>
+            <a:ext cx="9144000" cy="921041"/>
+          </a:xfrm>
+        </p:spPr>
+        <p:txBody>
+          <a:bodyPr>
+            <a:normAutofit/>
+          </a:bodyPr>
+          <a:lstStyle/>
+          <a:p>
+            <a:pPr algn="l"/>
+            <a:r>
+              <a:rPr lang="en-US" altLang="zh-CN" dirty="0"/>
+              <a:t>Ajax</a:t>
+            </a:r>
+            <a:r>
+              <a:rPr lang="zh-CN" altLang="en-US" dirty="0"/>
+              <a:t>的使用方法</a:t>
+            </a:r>
+          </a:p>
+        </p:txBody>
+      </p:sp>
+      <p:pic>
+        <p:nvPicPr>
+          <p:cNvPr id="2050" name="Picture 2" descr="在这里插入图片描述">
+            <a:extLst>
+              <a:ext uri="{FF2B5EF4-FFF2-40B4-BE49-F238E27FC236}">
+                <a16:creationId xmlns:a16="http://schemas.microsoft.com/office/drawing/2014/main" id="{C8685D0D-7581-A52B-F9CA-8BF4D037CF22}"/>
+              </a:ext>
+            </a:extLst>
+          </p:cNvPr>
+          <p:cNvPicPr>
+            <a:picLocks noChangeAspect="1" noChangeArrowheads="1"/>
+          </p:cNvPicPr>
+          <p:nvPr/>
+        </p:nvPicPr>
+        <p:blipFill>
+          <a:blip r:embed="rId2">
+            <a:extLst>
+              <a:ext uri="{28A0092B-C50C-407E-A947-70E740481C1C}">
+                <a14:useLocalDpi xmlns:a14="http://schemas.microsoft.com/office/drawing/2010/main" val="0"/>
+              </a:ext>
+            </a:extLst>
+          </a:blip>
+          <a:srcRect/>
+          <a:stretch>
+            <a:fillRect/>
+          </a:stretch>
+        </p:blipFill>
+        <p:spPr bwMode="auto">
+          <a:xfrm>
+            <a:off x="239807" y="1327091"/>
+            <a:ext cx="9067284" cy="5099167"/>
+          </a:xfrm>
+          <a:prstGeom prst="rect">
+            <a:avLst/>
+          </a:prstGeom>
+          <a:noFill/>
+          <a:extLst>
+            <a:ext uri="{909E8E84-426E-40DD-AFC4-6F175D3DCCD1}">
+              <a14:hiddenFill xmlns:a14="http://schemas.microsoft.com/office/drawing/2010/main">
+                <a:solidFill>
+                  <a:srgbClr val="FFFFFF"/>
+                </a:solidFill>
+              </a14:hiddenFill>
+            </a:ext>
+          </a:extLst>
+        </p:spPr>
+      </p:pic>
+    </p:spTree>
+    <p:extLst>
+      <p:ext uri="{BB962C8B-B14F-4D97-AF65-F5344CB8AC3E}">
+        <p14:creationId xmlns:p14="http://schemas.microsoft.com/office/powerpoint/2010/main" val="2973214143"/>
       </p:ext>
     </p:extLst>
   </p:cSld>
